--- a/module2/ppt/Python Classes.pptx
+++ b/module2/ppt/Python Classes.pptx
@@ -32,16 +32,16 @@
   <p:notesSz cx="6858000" cy="9144000"/>
   <p:embeddedFontLst>
     <p:embeddedFont>
-      <p:font typeface="Sarala" panose="020B0604020202020204" charset="0"/>
+      <p:font typeface="Montserrat" panose="00000500000000000000" pitchFamily="50" charset="0"/>
       <p:regular r:id="rId22"/>
       <p:bold r:id="rId23"/>
+      <p:italic r:id="rId24"/>
+      <p:boldItalic r:id="rId25"/>
     </p:embeddedFont>
     <p:embeddedFont>
-      <p:font typeface="Montserrat" panose="00000500000000000000" pitchFamily="50" charset="0"/>
-      <p:regular r:id="rId24"/>
-      <p:bold r:id="rId25"/>
-      <p:italic r:id="rId26"/>
-      <p:boldItalic r:id="rId27"/>
+      <p:font typeface="Sarala" panose="020B0604020202020204" charset="0"/>
+      <p:regular r:id="rId26"/>
+      <p:bold r:id="rId27"/>
     </p:embeddedFont>
     <p:embeddedFont>
       <p:font typeface="Microsoft YaHei" panose="020B0503020204020204" pitchFamily="34" charset="-122"/>
@@ -18881,7 +18881,7 @@
         <p:spPr>
           <a:xfrm>
             <a:off x="347472" y="891701"/>
-            <a:ext cx="5340096" cy="2169825"/>
+            <a:ext cx="3644462" cy="3365024"/>
           </a:xfrm>
           <a:prstGeom prst="rect">
             <a:avLst/>
@@ -18900,7 +18900,23 @@
             </a:pPr>
             <a:r>
               <a:rPr lang="en-US" sz="1800" dirty="0"/>
-              <a:t>Polymorphism simply means having many forms. For example, we need to determine if the given species of birds fly or not, using polymorphism we can do this using a single function</a:t>
+              <a:t>Polymorphism simply means having many forms. </a:t>
+            </a:r>
+            <a:endParaRPr lang="en-US" sz="1800" dirty="0" smtClean="0"/>
+          </a:p>
+          <a:p>
+            <a:pPr algn="just">
+              <a:lnSpc>
+                <a:spcPct val="150000"/>
+              </a:lnSpc>
+            </a:pPr>
+            <a:r>
+              <a:rPr lang="en-US" sz="1800" dirty="0" smtClean="0"/>
+              <a:t>For </a:t>
+            </a:r>
+            <a:r>
+              <a:rPr lang="en-US" sz="1800" dirty="0"/>
+              <a:t>example, we need to determine if the given species of birds fly or not, using polymorphism we can do this using a single function</a:t>
             </a:r>
             <a:r>
               <a:rPr lang="en-US" sz="1800" dirty="0" smtClean="0"/>
@@ -18919,14 +18935,14 @@
       </p:sp>
       <p:sp>
         <p:nvSpPr>
-          <p:cNvPr id="4" name="Rectangle 3"/>
-          <p:cNvSpPr/>
+          <p:cNvPr id="2" name="TextBox 1"/>
+          <p:cNvSpPr txBox="1"/>
           <p:nvPr/>
         </p:nvSpPr>
         <p:spPr>
           <a:xfrm>
-            <a:off x="530352" y="2627561"/>
-            <a:ext cx="4643182" cy="2677656"/>
+            <a:off x="4735173" y="1024194"/>
+            <a:ext cx="3391268" cy="2308324"/>
           </a:xfrm>
           <a:prstGeom prst="rect">
             <a:avLst/>
@@ -18934,301 +18950,121 @@
         </p:spPr>
         <p:style>
           <a:lnRef idx="2">
-            <a:schemeClr val="accent2"/>
+            <a:schemeClr val="accent1"/>
           </a:lnRef>
           <a:fillRef idx="1">
             <a:schemeClr val="lt1"/>
           </a:fillRef>
           <a:effectRef idx="0">
-            <a:schemeClr val="accent2"/>
+            <a:schemeClr val="accent1"/>
           </a:effectRef>
           <a:fontRef idx="minor">
             <a:schemeClr val="dk1"/>
           </a:fontRef>
         </p:style>
         <p:txBody>
-          <a:bodyPr wrap="square">
+          <a:bodyPr wrap="square" rtlCol="0">
             <a:spAutoFit/>
           </a:bodyPr>
           <a:lstStyle/>
           <a:p>
             <a:r>
-              <a:rPr lang="en-US" dirty="0"/>
-              <a:t>class Bird:</a:t>
-            </a:r>
-          </a:p>
-          <a:p>
-            <a:r>
-              <a:rPr lang="en-US" dirty="0" err="1" smtClean="0"/>
+              <a:rPr lang="en-US" sz="1600" dirty="0" err="1" smtClean="0"/>
               <a:t>def</a:t>
             </a:r>
             <a:r>
-              <a:rPr lang="en-US" dirty="0" smtClean="0"/>
+              <a:rPr lang="en-US" sz="1600" dirty="0" smtClean="0"/>
+              <a:t>  </a:t>
+            </a:r>
+            <a:r>
+              <a:rPr lang="en-US" sz="1600" dirty="0" err="1" smtClean="0"/>
+              <a:t>findlen_string</a:t>
+            </a:r>
+            <a:r>
+              <a:rPr lang="en-US" sz="1600" dirty="0" smtClean="0"/>
+              <a:t>():</a:t>
+            </a:r>
+          </a:p>
+          <a:p>
+            <a:r>
+              <a:rPr lang="en-US" sz="1600" dirty="0"/>
               <a:t> </a:t>
             </a:r>
             <a:r>
-              <a:rPr lang="en-US" dirty="0"/>
-              <a:t>intro(self):</a:t>
-            </a:r>
-          </a:p>
-          <a:p>
-            <a:r>
-              <a:rPr lang="en-US" dirty="0"/>
-              <a:t>        print("There are many types of birds.")</a:t>
-            </a:r>
-          </a:p>
-          <a:p>
-            <a:r>
-              <a:rPr lang="en-US" dirty="0"/>
-              <a:t> </a:t>
-            </a:r>
-          </a:p>
-          <a:p>
-            <a:r>
-              <a:rPr lang="en-US" dirty="0"/>
-              <a:t>    </a:t>
-            </a:r>
-            <a:r>
-              <a:rPr lang="en-US" dirty="0" err="1"/>
+              <a:rPr lang="en-US" sz="1600" dirty="0" smtClean="0"/>
+              <a:t>     print(</a:t>
+            </a:r>
+            <a:r>
+              <a:rPr lang="en-US" sz="1600" dirty="0" err="1" smtClean="0"/>
+              <a:t>len</a:t>
+            </a:r>
+            <a:r>
+              <a:rPr lang="en-US" sz="1600" dirty="0" smtClean="0"/>
+              <a:t>(“Python”))</a:t>
+            </a:r>
+          </a:p>
+          <a:p>
+            <a:endParaRPr lang="en-US" sz="1600" dirty="0" smtClean="0"/>
+          </a:p>
+          <a:p>
+            <a:r>
+              <a:rPr lang="en-US" sz="1600" dirty="0" err="1"/>
               <a:t>def</a:t>
             </a:r>
             <a:r>
-              <a:rPr lang="en-US" dirty="0"/>
-              <a:t> flight(self):</a:t>
-            </a:r>
-          </a:p>
-          <a:p>
-            <a:r>
-              <a:rPr lang="en-US" dirty="0"/>
-              <a:t>        print("Most of the birds can fly but some cannot.")</a:t>
-            </a:r>
-          </a:p>
-          <a:p>
-            <a:r>
-              <a:rPr lang="en-US" dirty="0"/>
-              <a:t> </a:t>
-            </a:r>
-          </a:p>
-          <a:p>
-            <a:r>
-              <a:rPr lang="en-US" dirty="0"/>
-              <a:t>class sparrow(Bird):</a:t>
-            </a:r>
-          </a:p>
-          <a:p>
-            <a:r>
-              <a:rPr lang="en-US" dirty="0"/>
-              <a:t>   </a:t>
-            </a:r>
-          </a:p>
-          <a:p>
-            <a:r>
-              <a:rPr lang="en-US" dirty="0"/>
-              <a:t>    </a:t>
-            </a:r>
-            <a:r>
-              <a:rPr lang="en-US" dirty="0" err="1"/>
-              <a:t>def</a:t>
-            </a:r>
-            <a:r>
-              <a:rPr lang="en-US" dirty="0"/>
-              <a:t> flight(self):</a:t>
-            </a:r>
-          </a:p>
-          <a:p>
-            <a:r>
-              <a:rPr lang="en-US" dirty="0"/>
-              <a:t>        print("Sparrows can fly.")</a:t>
-            </a:r>
-          </a:p>
-          <a:p>
-            <a:r>
-              <a:rPr lang="en-US" dirty="0"/>
-              <a:t> </a:t>
-            </a:r>
-          </a:p>
-        </p:txBody>
-      </p:sp>
-      <p:sp>
-        <p:nvSpPr>
-          <p:cNvPr id="5" name="Rectangle 4"/>
-          <p:cNvSpPr/>
-          <p:nvPr/>
-        </p:nvSpPr>
-        <p:spPr>
-          <a:xfrm>
-            <a:off x="5996494" y="1388626"/>
-            <a:ext cx="2873186" cy="3754874"/>
-          </a:xfrm>
-          <a:prstGeom prst="rect">
-            <a:avLst/>
-          </a:prstGeom>
-        </p:spPr>
-        <p:style>
-          <a:lnRef idx="2">
-            <a:schemeClr val="accent2"/>
-          </a:lnRef>
-          <a:fillRef idx="1">
-            <a:schemeClr val="lt1"/>
-          </a:fillRef>
-          <a:effectRef idx="0">
-            <a:schemeClr val="accent2"/>
-          </a:effectRef>
-          <a:fontRef idx="minor">
-            <a:schemeClr val="dk1"/>
-          </a:fontRef>
-        </p:style>
-        <p:txBody>
-          <a:bodyPr wrap="square">
-            <a:spAutoFit/>
-          </a:bodyPr>
-          <a:lstStyle/>
-          <a:p>
-            <a:r>
-              <a:rPr lang="en-US" dirty="0"/>
-              <a:t>class ostrich(Bird):</a:t>
-            </a:r>
-          </a:p>
-          <a:p>
-            <a:r>
-              <a:rPr lang="en-US" dirty="0"/>
-              <a:t> </a:t>
-            </a:r>
-          </a:p>
-          <a:p>
-            <a:r>
-              <a:rPr lang="en-US" dirty="0"/>
-              <a:t>    </a:t>
-            </a:r>
-            <a:r>
-              <a:rPr lang="en-US" dirty="0" err="1"/>
-              <a:t>def</a:t>
-            </a:r>
-            <a:r>
-              <a:rPr lang="en-US" dirty="0"/>
-              <a:t> flight(self):</a:t>
-            </a:r>
-          </a:p>
-          <a:p>
-            <a:r>
-              <a:rPr lang="en-US" dirty="0"/>
-              <a:t>        print("Ostriches cannot fly.")</a:t>
-            </a:r>
-          </a:p>
-          <a:p>
-            <a:r>
-              <a:rPr lang="en-US" dirty="0"/>
-              <a:t> </a:t>
-            </a:r>
-          </a:p>
-          <a:p>
-            <a:r>
-              <a:rPr lang="en-US" dirty="0" err="1"/>
-              <a:t>obj_bird</a:t>
-            </a:r>
-            <a:r>
-              <a:rPr lang="en-US" dirty="0"/>
-              <a:t> = Bird()</a:t>
-            </a:r>
-          </a:p>
-          <a:p>
-            <a:r>
-              <a:rPr lang="en-US" dirty="0" err="1"/>
-              <a:t>obj_spr</a:t>
-            </a:r>
-            <a:r>
-              <a:rPr lang="en-US" dirty="0"/>
-              <a:t> = sparrow()</a:t>
-            </a:r>
-          </a:p>
-          <a:p>
-            <a:r>
-              <a:rPr lang="en-US" dirty="0" err="1"/>
-              <a:t>obj_ost</a:t>
-            </a:r>
-            <a:r>
-              <a:rPr lang="en-US" dirty="0"/>
-              <a:t> = ostrich()</a:t>
-            </a:r>
-          </a:p>
-          <a:p>
-            <a:r>
-              <a:rPr lang="en-US" dirty="0"/>
-              <a:t> </a:t>
-            </a:r>
-          </a:p>
-          <a:p>
-            <a:r>
-              <a:rPr lang="en-US" dirty="0" err="1"/>
-              <a:t>obj_bird.intro</a:t>
-            </a:r>
-            <a:r>
-              <a:rPr lang="en-US" dirty="0"/>
+              <a:rPr lang="en-US" sz="1600" dirty="0"/>
+              <a:t>  </a:t>
+            </a:r>
+            <a:r>
+              <a:rPr lang="en-US" sz="1600" dirty="0" err="1" smtClean="0"/>
+              <a:t>findlen_list</a:t>
+            </a:r>
+            <a:r>
+              <a:rPr lang="en-US" sz="1600" dirty="0" smtClean="0"/>
+              <a:t>():</a:t>
+            </a:r>
+            <a:endParaRPr lang="en-US" sz="1600" dirty="0"/>
+          </a:p>
+          <a:p>
+            <a:r>
+              <a:rPr lang="en-US" sz="1600" dirty="0"/>
+              <a:t>      print(</a:t>
+            </a:r>
+            <a:r>
+              <a:rPr lang="en-US" sz="1600" dirty="0" err="1"/>
+              <a:t>len</a:t>
+            </a:r>
+            <a:r>
+              <a:rPr lang="en-US" sz="1600" dirty="0" smtClean="0"/>
+              <a:t>([10,20,30,40,50]))</a:t>
+            </a:r>
+          </a:p>
+          <a:p>
+            <a:endParaRPr lang="en-US" sz="1600" dirty="0"/>
+          </a:p>
+          <a:p>
+            <a:r>
+              <a:rPr lang="en-US" sz="1600" dirty="0" err="1" smtClean="0"/>
+              <a:t>findlen_string</a:t>
+            </a:r>
+            <a:r>
+              <a:rPr lang="en-US" sz="1600" dirty="0" smtClean="0"/>
               <a:t>()</a:t>
             </a:r>
           </a:p>
           <a:p>
             <a:r>
-              <a:rPr lang="en-US" dirty="0" err="1"/>
-              <a:t>obj_bird.flight</a:t>
-            </a:r>
-            <a:r>
-              <a:rPr lang="en-US" dirty="0"/>
+              <a:rPr lang="en-US" sz="1600" dirty="0" err="1" smtClean="0"/>
+              <a:t>findlen_list</a:t>
+            </a:r>
+            <a:r>
+              <a:rPr lang="en-US" sz="1600" dirty="0" smtClean="0"/>
               <a:t>()</a:t>
             </a:r>
-          </a:p>
-          <a:p>
-            <a:r>
-              <a:rPr lang="en-US" dirty="0"/>
-              <a:t> </a:t>
-            </a:r>
-          </a:p>
-          <a:p>
-            <a:r>
-              <a:rPr lang="en-US" dirty="0" err="1"/>
-              <a:t>obj_spr.intro</a:t>
-            </a:r>
-            <a:r>
-              <a:rPr lang="en-US" dirty="0"/>
-              <a:t>()</a:t>
-            </a:r>
-          </a:p>
-          <a:p>
-            <a:r>
-              <a:rPr lang="en-US" dirty="0" err="1"/>
-              <a:t>obj_spr.flight</a:t>
-            </a:r>
-            <a:r>
-              <a:rPr lang="en-US" dirty="0"/>
-              <a:t>()</a:t>
-            </a:r>
-          </a:p>
-          <a:p>
-            <a:r>
-              <a:rPr lang="en-US" dirty="0"/>
-              <a:t> </a:t>
-            </a:r>
-          </a:p>
-          <a:p>
-            <a:r>
-              <a:rPr lang="en-US" dirty="0" err="1"/>
-              <a:t>obj_ost.intro</a:t>
-            </a:r>
-            <a:r>
-              <a:rPr lang="en-US" dirty="0"/>
-              <a:t>()</a:t>
-            </a:r>
-          </a:p>
-          <a:p>
-            <a:r>
-              <a:rPr lang="en-US" dirty="0" err="1"/>
-              <a:t>obj_ost.flight</a:t>
-            </a:r>
-            <a:r>
-              <a:rPr lang="en-US" dirty="0"/>
-              <a:t>()</a:t>
-            </a:r>
-            <a:endParaRPr lang="en-US" dirty="0"/>
+            <a:endParaRPr lang="en-US" sz="1600" dirty="0"/>
+          </a:p>
+          <a:p>
+            <a:endParaRPr lang="en-US" sz="1600" dirty="0"/>
           </a:p>
         </p:txBody>
       </p:sp>
@@ -19447,7 +19283,6 @@
               <a:rPr lang="en-US" sz="1600" dirty="0"/>
               <a:t>A class is an example of encapsulation as it encapsulates all the data that is member functions, variables, etc.</a:t>
             </a:r>
-            <a:endParaRPr lang="en-US" sz="1600" dirty="0"/>
           </a:p>
         </p:txBody>
       </p:sp>
@@ -19570,11 +19405,6 @@
               </a:rPr>
               <a:t>Encapsulation - Encapsulation in Python</a:t>
             </a:r>
-            <a:endParaRPr lang="en-US" sz="2400" dirty="0">
-              <a:solidFill>
-                <a:srgbClr val="2C363A"/>
-              </a:solidFill>
-            </a:endParaRPr>
           </a:p>
         </p:txBody>
       </p:sp>
@@ -19877,7 +19707,6 @@
               <a:rPr lang="en-US" dirty="0"/>
               <a:t>print(obj1.a)</a:t>
             </a:r>
-            <a:endParaRPr lang="en-US" dirty="0"/>
           </a:p>
         </p:txBody>
       </p:sp>
@@ -20499,7 +20328,6 @@
               <a:rPr lang="en-US" sz="1800" dirty="0"/>
               <a:t>Data Abstraction in Python can be achieved through creating abstract classes.</a:t>
             </a:r>
-            <a:endParaRPr lang="en-US" sz="1800" dirty="0"/>
           </a:p>
         </p:txBody>
       </p:sp>
@@ -20667,7 +20495,6 @@
               <a:rPr lang="en-US" sz="1800" dirty="0"/>
               <a:t>When an object of a class is created, the class is said to be instantiated. All the instances share the attributes and the behavior of the class. But the values of those attributes, i.e. the state are unique for each object. A single class may have any number of instances.</a:t>
             </a:r>
-            <a:endParaRPr lang="en-US" sz="1800" dirty="0"/>
           </a:p>
         </p:txBody>
       </p:sp>
@@ -23372,8 +23199,12 @@
           </a:p>
           <a:p>
             <a:r>
+              <a:rPr lang="en-US" sz="1600" dirty="0" smtClean="0"/>
+              <a:t>obj1 </a:t>
+            </a:r>
+            <a:r>
               <a:rPr lang="en-US" sz="1600" dirty="0"/>
-              <a:t>Rodger = Dog()</a:t>
+              <a:t>= Dog()</a:t>
             </a:r>
           </a:p>
           <a:p>
@@ -23396,14 +23227,22 @@
           </a:p>
           <a:p>
             <a:r>
+              <a:rPr lang="en-US" sz="1600" dirty="0" smtClean="0"/>
+              <a:t>Print(obj1.attr1</a:t>
+            </a:r>
+            <a:r>
               <a:rPr lang="en-US" sz="1600" dirty="0"/>
-              <a:t>print(Rodger.attr1)</a:t>
-            </a:r>
-          </a:p>
-          <a:p>
-            <a:r>
-              <a:rPr lang="en-US" sz="1600" dirty="0" err="1"/>
-              <a:t>Rodger.fun</a:t>
+              <a:t>)</a:t>
+            </a:r>
+          </a:p>
+          <a:p>
+            <a:r>
+              <a:rPr lang="en-US" sz="1600" dirty="0"/>
+              <a:t>o</a:t>
+            </a:r>
+            <a:r>
+              <a:rPr lang="en-US" sz="1600" dirty="0" smtClean="0"/>
+              <a:t>bj1.fun</a:t>
             </a:r>
             <a:r>
               <a:rPr lang="en-US" sz="1600" dirty="0"/>
